--- a/L4/L4.pptx
+++ b/L4/L4.pptx
@@ -12,19 +12,20 @@
     <p:sldId id="260" r:id="rId6"/>
     <p:sldId id="261" r:id="rId7"/>
     <p:sldId id="262" r:id="rId8"/>
-    <p:sldId id="263" r:id="rId9"/>
-    <p:sldId id="264" r:id="rId10"/>
-    <p:sldId id="266" r:id="rId11"/>
-    <p:sldId id="267" r:id="rId12"/>
-    <p:sldId id="268" r:id="rId13"/>
-    <p:sldId id="269" r:id="rId14"/>
-    <p:sldId id="265" r:id="rId15"/>
-    <p:sldId id="270" r:id="rId16"/>
-    <p:sldId id="271" r:id="rId17"/>
-    <p:sldId id="272" r:id="rId18"/>
-    <p:sldId id="273" r:id="rId19"/>
-    <p:sldId id="274" r:id="rId20"/>
-    <p:sldId id="275" r:id="rId21"/>
+    <p:sldId id="276" r:id="rId9"/>
+    <p:sldId id="263" r:id="rId10"/>
+    <p:sldId id="264" r:id="rId11"/>
+    <p:sldId id="266" r:id="rId12"/>
+    <p:sldId id="267" r:id="rId13"/>
+    <p:sldId id="268" r:id="rId14"/>
+    <p:sldId id="269" r:id="rId15"/>
+    <p:sldId id="265" r:id="rId16"/>
+    <p:sldId id="270" r:id="rId17"/>
+    <p:sldId id="271" r:id="rId18"/>
+    <p:sldId id="272" r:id="rId19"/>
+    <p:sldId id="273" r:id="rId20"/>
+    <p:sldId id="274" r:id="rId21"/>
+    <p:sldId id="275" r:id="rId22"/>
   </p:sldIdLst>
   <p:sldSz cx="12192000" cy="6858000"/>
   <p:notesSz cx="6858000" cy="9144000"/>
@@ -317,7 +318,7 @@
           <a:p>
             <a:fld id="{4AAD347D-5ACD-4C99-B74B-A9C85AD731AF}" type="datetimeFigureOut">
               <a:rPr lang="en-US" dirty="0"/>
-              <a:t>10/19/2018</a:t>
+              <a:t>10/20/2018</a:t>
             </a:fld>
             <a:endParaRPr lang="en-US" dirty="0"/>
           </a:p>
@@ -587,7 +588,7 @@
           <a:p>
             <a:fld id="{4509A250-FF31-4206-8172-F9D3106AACB1}" type="datetimeFigureOut">
               <a:rPr lang="en-US" dirty="0"/>
-              <a:t>10/19/2018</a:t>
+              <a:t>10/20/2018</a:t>
             </a:fld>
             <a:endParaRPr lang="en-US" dirty="0"/>
           </a:p>
@@ -776,7 +777,7 @@
           <a:p>
             <a:fld id="{4509A250-FF31-4206-8172-F9D3106AACB1}" type="datetimeFigureOut">
               <a:rPr lang="en-US" dirty="0"/>
-              <a:t>10/19/2018</a:t>
+              <a:t>10/20/2018</a:t>
             </a:fld>
             <a:endParaRPr lang="en-US" dirty="0"/>
           </a:p>
@@ -1042,7 +1043,7 @@
           <a:p>
             <a:fld id="{4509A250-FF31-4206-8172-F9D3106AACB1}" type="datetimeFigureOut">
               <a:rPr lang="en-US" dirty="0"/>
-              <a:t>10/19/2018</a:t>
+              <a:t>10/20/2018</a:t>
             </a:fld>
             <a:endParaRPr lang="en-US" dirty="0"/>
           </a:p>
@@ -1364,7 +1365,7 @@
           <a:p>
             <a:fld id="{4509A250-FF31-4206-8172-F9D3106AACB1}" type="datetimeFigureOut">
               <a:rPr lang="en-US" dirty="0"/>
-              <a:t>10/19/2018</a:t>
+              <a:t>10/20/2018</a:t>
             </a:fld>
             <a:endParaRPr lang="en-US" dirty="0"/>
           </a:p>
@@ -1978,7 +1979,7 @@
           <a:p>
             <a:fld id="{4509A250-FF31-4206-8172-F9D3106AACB1}" type="datetimeFigureOut">
               <a:rPr lang="en-US" dirty="0"/>
-              <a:t>10/19/2018</a:t>
+              <a:t>10/20/2018</a:t>
             </a:fld>
             <a:endParaRPr lang="en-US" dirty="0"/>
           </a:p>
@@ -2820,7 +2821,7 @@
           <a:p>
             <a:fld id="{4509A250-FF31-4206-8172-F9D3106AACB1}" type="datetimeFigureOut">
               <a:rPr lang="en-US" dirty="0"/>
-              <a:t>10/19/2018</a:t>
+              <a:t>10/20/2018</a:t>
             </a:fld>
             <a:endParaRPr lang="en-US" dirty="0"/>
           </a:p>
@@ -2985,7 +2986,7 @@
           <a:p>
             <a:fld id="{4509A250-FF31-4206-8172-F9D3106AACB1}" type="datetimeFigureOut">
               <a:rPr lang="en-US" dirty="0"/>
-              <a:t>10/19/2018</a:t>
+              <a:t>10/20/2018</a:t>
             </a:fld>
             <a:endParaRPr lang="en-US" dirty="0"/>
           </a:p>
@@ -3160,7 +3161,7 @@
           <a:p>
             <a:fld id="{4509A250-FF31-4206-8172-F9D3106AACB1}" type="datetimeFigureOut">
               <a:rPr lang="en-US" dirty="0"/>
-              <a:t>10/19/2018</a:t>
+              <a:t>10/20/2018</a:t>
             </a:fld>
             <a:endParaRPr lang="en-US" dirty="0"/>
           </a:p>
@@ -3325,7 +3326,7 @@
           <a:p>
             <a:fld id="{9796027F-7875-4030-9381-8BD8C4F21935}" type="datetimeFigureOut">
               <a:rPr lang="en-US" dirty="0"/>
-              <a:t>10/19/2018</a:t>
+              <a:t>10/20/2018</a:t>
             </a:fld>
             <a:endParaRPr lang="en-US" dirty="0"/>
           </a:p>
@@ -3567,7 +3568,7 @@
           <a:p>
             <a:fld id="{9796027F-7875-4030-9381-8BD8C4F21935}" type="datetimeFigureOut">
               <a:rPr lang="en-US" dirty="0"/>
-              <a:t>10/19/2018</a:t>
+              <a:t>10/20/2018</a:t>
             </a:fld>
             <a:endParaRPr lang="en-US" dirty="0"/>
           </a:p>
@@ -3854,7 +3855,7 @@
           <a:p>
             <a:fld id="{9796027F-7875-4030-9381-8BD8C4F21935}" type="datetimeFigureOut">
               <a:rPr lang="en-US" dirty="0"/>
-              <a:t>10/19/2018</a:t>
+              <a:t>10/20/2018</a:t>
             </a:fld>
             <a:endParaRPr lang="en-US" dirty="0"/>
           </a:p>
@@ -4293,7 +4294,7 @@
           <a:p>
             <a:fld id="{9796027F-7875-4030-9381-8BD8C4F21935}" type="datetimeFigureOut">
               <a:rPr lang="en-US" dirty="0"/>
-              <a:t>10/19/2018</a:t>
+              <a:t>10/20/2018</a:t>
             </a:fld>
             <a:endParaRPr lang="en-US" dirty="0"/>
           </a:p>
@@ -4406,7 +4407,7 @@
           <a:p>
             <a:fld id="{4509A250-FF31-4206-8172-F9D3106AACB1}" type="datetimeFigureOut">
               <a:rPr lang="en-US" dirty="0"/>
-              <a:t>10/19/2018</a:t>
+              <a:t>10/20/2018</a:t>
             </a:fld>
             <a:endParaRPr lang="en-US" dirty="0"/>
           </a:p>
@@ -4496,7 +4497,7 @@
           <a:p>
             <a:fld id="{4509A250-FF31-4206-8172-F9D3106AACB1}" type="datetimeFigureOut">
               <a:rPr lang="en-US" dirty="0"/>
-              <a:t>10/19/2018</a:t>
+              <a:t>10/20/2018</a:t>
             </a:fld>
             <a:endParaRPr lang="en-US" dirty="0"/>
           </a:p>
@@ -4770,7 +4771,7 @@
           <a:p>
             <a:fld id="{4509A250-FF31-4206-8172-F9D3106AACB1}" type="datetimeFigureOut">
               <a:rPr lang="en-US" dirty="0"/>
-              <a:t>10/19/2018</a:t>
+              <a:t>10/20/2018</a:t>
             </a:fld>
             <a:endParaRPr lang="en-US" dirty="0"/>
           </a:p>
@@ -5040,7 +5041,7 @@
           <a:p>
             <a:fld id="{4509A250-FF31-4206-8172-F9D3106AACB1}" type="datetimeFigureOut">
               <a:rPr lang="en-US" dirty="0"/>
-              <a:t>10/19/2018</a:t>
+              <a:t>10/20/2018</a:t>
             </a:fld>
             <a:endParaRPr lang="en-US" dirty="0"/>
           </a:p>
@@ -5458,7 +5459,7 @@
           <a:p>
             <a:fld id="{4AAD347D-5ACD-4C99-B74B-A9C85AD731AF}" type="datetimeFigureOut">
               <a:rPr lang="en-US" dirty="0"/>
-              <a:t>10/19/2018</a:t>
+              <a:t>10/20/2018</a:t>
             </a:fld>
             <a:endParaRPr lang="en-US" dirty="0"/>
           </a:p>
@@ -6091,7 +6092,7 @@
           <a:p>
             <a:r>
               <a:rPr lang="en-US" dirty="0"/>
-              <a:t>JavaScript – DOM Event</a:t>
+              <a:t>JavaScript - DOM</a:t>
             </a:r>
           </a:p>
         </p:txBody>
@@ -6115,102 +6116,152 @@
         <p:spPr>
           <a:xfrm>
             <a:off x="1103312" y="2052918"/>
-            <a:ext cx="10196492" cy="4195481"/>
+            <a:ext cx="9948211" cy="4195481"/>
           </a:xfrm>
         </p:spPr>
         <p:txBody>
           <a:bodyPr>
-            <a:normAutofit/>
+            <a:normAutofit lnSpcReduction="10000"/>
           </a:bodyPr>
           <a:lstStyle/>
           <a:p>
             <a:r>
-              <a:rPr lang="zh-CN" altLang="en-US" sz="2400" dirty="0"/>
-              <a:t>如何添加事件？</a:t>
-            </a:r>
-            <a:endParaRPr lang="en-US" sz="2400" dirty="0"/>
-          </a:p>
-          <a:p>
-            <a:r>
-              <a:rPr lang="en-US" sz="2400" i="1" dirty="0" err="1"/>
-              <a:t>element</a:t>
-            </a:r>
-            <a:r>
-              <a:rPr lang="en-US" sz="2400" dirty="0" err="1"/>
-              <a:t>.addEventListener</a:t>
-            </a:r>
-            <a:r>
-              <a:rPr lang="en-US" sz="2400" dirty="0"/>
+              <a:rPr lang="en-US" sz="2800" dirty="0"/>
+              <a:t>DOM: </a:t>
+            </a:r>
+            <a:r>
+              <a:rPr lang="zh-CN" altLang="en-US" sz="2800" dirty="0"/>
+              <a:t>与 </a:t>
+            </a:r>
+            <a:r>
+              <a:rPr lang="en-US" sz="2800" dirty="0"/>
+              <a:t>HTML </a:t>
+            </a:r>
+            <a:r>
+              <a:rPr lang="en-US" altLang="zh-CN" sz="2800" dirty="0"/>
+              <a:t>&amp;</a:t>
+            </a:r>
+            <a:r>
+              <a:rPr lang="en-US" sz="2800" dirty="0"/>
+              <a:t> CSS</a:t>
+            </a:r>
+            <a:r>
+              <a:rPr lang="zh-CN" altLang="en-US" sz="2800" dirty="0"/>
+              <a:t>进行交互</a:t>
+            </a:r>
+            <a:r>
+              <a:rPr lang="en-US" sz="2800" dirty="0"/>
+              <a:t>!</a:t>
+            </a:r>
+          </a:p>
+          <a:p>
+            <a:endParaRPr lang="en-US" sz="2800" dirty="0"/>
+          </a:p>
+          <a:p>
+            <a:r>
+              <a:rPr lang="zh-CN" altLang="en-US" sz="2800" dirty="0"/>
+              <a:t>如何定位一个元素？</a:t>
+            </a:r>
+            <a:endParaRPr lang="en-US" altLang="zh-CN" sz="2800" dirty="0"/>
+          </a:p>
+          <a:p>
+            <a:r>
+              <a:rPr lang="en-US" altLang="zh-CN" sz="2800" dirty="0"/>
+              <a:t>1. </a:t>
+            </a:r>
+            <a:r>
+              <a:rPr lang="zh-CN" altLang="en-US" sz="2800" dirty="0"/>
+              <a:t>通过</a:t>
+            </a:r>
+            <a:r>
+              <a:rPr lang="en-US" altLang="zh-CN" sz="2800" dirty="0"/>
+              <a:t>id: </a:t>
+            </a:r>
+            <a:r>
+              <a:rPr lang="en-US" dirty="0" err="1"/>
+              <a:t>document.getElementById</a:t>
+            </a:r>
+            <a:r>
+              <a:rPr lang="en-US" dirty="0"/>
+              <a:t>(id)</a:t>
+            </a:r>
+            <a:endParaRPr lang="en-US" altLang="zh-CN" sz="2800" dirty="0"/>
+          </a:p>
+          <a:p>
+            <a:r>
+              <a:rPr lang="en-US" altLang="zh-CN" sz="2800" dirty="0"/>
+              <a:t>2. </a:t>
+            </a:r>
+            <a:r>
+              <a:rPr lang="zh-CN" altLang="en-US" sz="2800" dirty="0"/>
+              <a:t>通过</a:t>
+            </a:r>
+            <a:r>
+              <a:rPr lang="en-US" altLang="zh-CN" sz="2800" dirty="0"/>
+              <a:t>class: </a:t>
+            </a:r>
+            <a:r>
+              <a:rPr lang="en-US" dirty="0" err="1"/>
+              <a:t>document.getElementsByClassName</a:t>
+            </a:r>
+            <a:r>
+              <a:rPr lang="en-US" dirty="0"/>
               <a:t>(</a:t>
             </a:r>
             <a:r>
-              <a:rPr lang="en-US" sz="2400" i="1" dirty="0"/>
-              <a:t>event, function, </a:t>
-            </a:r>
-            <a:r>
-              <a:rPr lang="en-US" sz="2400" i="1" dirty="0" err="1"/>
-              <a:t>useCapture</a:t>
-            </a:r>
-            <a:r>
-              <a:rPr lang="en-US" sz="2400" dirty="0"/>
-              <a:t>);</a:t>
-            </a:r>
-          </a:p>
-          <a:p>
-            <a:pPr latinLnBrk="1"/>
-            <a:r>
-              <a:rPr lang="en-US" sz="2400" i="1" dirty="0" err="1"/>
-              <a:t>element</a:t>
-            </a:r>
-            <a:r>
-              <a:rPr lang="en-US" sz="2400" dirty="0" err="1"/>
-              <a:t>.removeEventListener</a:t>
-            </a:r>
-            <a:r>
-              <a:rPr lang="en-US" sz="2400" dirty="0"/>
-              <a:t>("</a:t>
-            </a:r>
-            <a:r>
-              <a:rPr lang="en-US" sz="2400" dirty="0" err="1"/>
-              <a:t>mousemove</a:t>
-            </a:r>
-            <a:r>
-              <a:rPr lang="en-US" sz="2400" dirty="0"/>
-              <a:t>", </a:t>
-            </a:r>
-            <a:r>
-              <a:rPr lang="en-US" sz="2400" dirty="0" err="1"/>
-              <a:t>myFunction</a:t>
-            </a:r>
-            <a:r>
-              <a:rPr lang="en-US" sz="2400" dirty="0"/>
-              <a:t>);</a:t>
-            </a:r>
-          </a:p>
-          <a:p>
-            <a:pPr latinLnBrk="1"/>
-            <a:r>
-              <a:rPr lang="en-US" altLang="zh-CN" sz="2400" i="1" dirty="0" err="1"/>
-              <a:t>element.eventfunction</a:t>
-            </a:r>
-            <a:r>
-              <a:rPr lang="en-US" altLang="zh-CN" sz="2400" i="1" dirty="0"/>
-              <a:t> = function;</a:t>
-            </a:r>
-          </a:p>
-          <a:p>
-            <a:pPr latinLnBrk="1"/>
-            <a:r>
-              <a:rPr lang="en-US" sz="2400" i="1" dirty="0"/>
-              <a:t>E.g. </a:t>
-            </a:r>
-            <a:r>
-              <a:rPr lang="en-US" sz="2400" i="1" dirty="0" err="1"/>
-              <a:t>element.onclick</a:t>
-            </a:r>
-            <a:r>
-              <a:rPr lang="en-US" sz="2400" i="1" dirty="0"/>
-              <a:t> = calculate;</a:t>
+              <a:rPr lang="en-US" dirty="0" err="1"/>
+              <a:t>class_name</a:t>
+            </a:r>
+            <a:r>
+              <a:rPr lang="en-US" dirty="0"/>
+              <a:t>)</a:t>
+            </a:r>
+            <a:endParaRPr lang="en-US" altLang="zh-CN" sz="2800" dirty="0"/>
+          </a:p>
+          <a:p>
+            <a:r>
+              <a:rPr lang="en-US" sz="2800" dirty="0"/>
+              <a:t>3. </a:t>
+            </a:r>
+            <a:r>
+              <a:rPr lang="zh-CN" altLang="en-US" sz="2800" dirty="0"/>
+              <a:t>通过</a:t>
+            </a:r>
+            <a:r>
+              <a:rPr lang="en-US" altLang="zh-CN" sz="2800" dirty="0"/>
+              <a:t>tag name: </a:t>
+            </a:r>
+            <a:r>
+              <a:rPr lang="en-US" dirty="0" err="1"/>
+              <a:t>document.getElementsByTagName</a:t>
+            </a:r>
+            <a:r>
+              <a:rPr lang="en-US" dirty="0"/>
+              <a:t>(</a:t>
+            </a:r>
+            <a:r>
+              <a:rPr lang="en-US" dirty="0" err="1"/>
+              <a:t>tag_name</a:t>
+            </a:r>
+            <a:r>
+              <a:rPr lang="en-US" dirty="0"/>
+              <a:t>)</a:t>
+            </a:r>
+          </a:p>
+          <a:p>
+            <a:r>
+              <a:rPr lang="en-US" sz="2800" dirty="0"/>
+              <a:t>Reference: </a:t>
+            </a:r>
+            <a:r>
+              <a:rPr lang="en-US" sz="2800" dirty="0">
+                <a:hlinkClick r:id="rId2"/>
+              </a:rPr>
+              <a:t>http://www.runoob.com/js/js-htmldom.html</a:t>
+            </a:r>
+            <a:r>
+              <a:rPr lang="en-US" sz="2800" dirty="0"/>
+              <a:t> </a:t>
             </a:r>
           </a:p>
         </p:txBody>
@@ -6218,7 +6269,7 @@
     </p:spTree>
     <p:extLst>
       <p:ext uri="{BB962C8B-B14F-4D97-AF65-F5344CB8AC3E}">
-        <p14:creationId xmlns:p14="http://schemas.microsoft.com/office/powerpoint/2010/main" val="2164551551"/>
+        <p14:creationId xmlns:p14="http://schemas.microsoft.com/office/powerpoint/2010/main" val="3621304035"/>
       </p:ext>
     </p:extLst>
   </p:cSld>
@@ -6302,6 +6353,183 @@
           <a:lstStyle/>
           <a:p>
             <a:r>
+              <a:rPr lang="zh-CN" altLang="en-US" sz="2400" dirty="0"/>
+              <a:t>如何添加事件？</a:t>
+            </a:r>
+            <a:endParaRPr lang="en-US" sz="2400" dirty="0"/>
+          </a:p>
+          <a:p>
+            <a:r>
+              <a:rPr lang="en-US" sz="2400" i="1" dirty="0" err="1"/>
+              <a:t>element</a:t>
+            </a:r>
+            <a:r>
+              <a:rPr lang="en-US" sz="2400" dirty="0" err="1"/>
+              <a:t>.addEventListener</a:t>
+            </a:r>
+            <a:r>
+              <a:rPr lang="en-US" sz="2400" dirty="0"/>
+              <a:t>(</a:t>
+            </a:r>
+            <a:r>
+              <a:rPr lang="en-US" sz="2400" i="1" dirty="0"/>
+              <a:t>event, function, </a:t>
+            </a:r>
+            <a:r>
+              <a:rPr lang="en-US" sz="2400" i="1" dirty="0" err="1"/>
+              <a:t>useCapture</a:t>
+            </a:r>
+            <a:r>
+              <a:rPr lang="en-US" sz="2400" dirty="0"/>
+              <a:t>);</a:t>
+            </a:r>
+          </a:p>
+          <a:p>
+            <a:pPr latinLnBrk="1"/>
+            <a:r>
+              <a:rPr lang="en-US" sz="2400" i="1" dirty="0" err="1"/>
+              <a:t>element</a:t>
+            </a:r>
+            <a:r>
+              <a:rPr lang="en-US" sz="2400" dirty="0" err="1"/>
+              <a:t>.removeEventListener</a:t>
+            </a:r>
+            <a:r>
+              <a:rPr lang="en-US" sz="2400" dirty="0"/>
+              <a:t>("</a:t>
+            </a:r>
+            <a:r>
+              <a:rPr lang="en-US" sz="2400" dirty="0" err="1"/>
+              <a:t>mousemove</a:t>
+            </a:r>
+            <a:r>
+              <a:rPr lang="en-US" sz="2400" dirty="0"/>
+              <a:t>", </a:t>
+            </a:r>
+            <a:r>
+              <a:rPr lang="en-US" sz="2400" dirty="0" err="1"/>
+              <a:t>myFunction</a:t>
+            </a:r>
+            <a:r>
+              <a:rPr lang="en-US" sz="2400" dirty="0"/>
+              <a:t>);</a:t>
+            </a:r>
+          </a:p>
+          <a:p>
+            <a:pPr latinLnBrk="1"/>
+            <a:r>
+              <a:rPr lang="en-US" altLang="zh-CN" sz="2400" i="1" dirty="0" err="1"/>
+              <a:t>element.eventfunction</a:t>
+            </a:r>
+            <a:r>
+              <a:rPr lang="en-US" altLang="zh-CN" sz="2400" i="1" dirty="0"/>
+              <a:t> = function;</a:t>
+            </a:r>
+          </a:p>
+          <a:p>
+            <a:pPr latinLnBrk="1"/>
+            <a:r>
+              <a:rPr lang="en-US" sz="2400" i="1" dirty="0"/>
+              <a:t>E.g. </a:t>
+            </a:r>
+            <a:r>
+              <a:rPr lang="en-US" sz="2400" i="1" dirty="0" err="1"/>
+              <a:t>element.onclick</a:t>
+            </a:r>
+            <a:r>
+              <a:rPr lang="en-US" sz="2400" i="1" dirty="0"/>
+              <a:t> = calculate;</a:t>
+            </a:r>
+          </a:p>
+        </p:txBody>
+      </p:sp>
+    </p:spTree>
+    <p:extLst>
+      <p:ext uri="{BB962C8B-B14F-4D97-AF65-F5344CB8AC3E}">
+        <p14:creationId xmlns:p14="http://schemas.microsoft.com/office/powerpoint/2010/main" val="2164551551"/>
+      </p:ext>
+    </p:extLst>
+  </p:cSld>
+  <p:clrMapOvr>
+    <a:masterClrMapping/>
+  </p:clrMapOvr>
+</p:sld>
+</file>
+
+<file path=ppt/slides/slide12.xml><?xml version="1.0" encoding="utf-8"?>
+<p:sld xmlns:a="http://schemas.openxmlformats.org/drawingml/2006/main" xmlns:r="http://schemas.openxmlformats.org/officeDocument/2006/relationships" xmlns:p="http://schemas.openxmlformats.org/presentationml/2006/main">
+  <p:cSld>
+    <p:spTree>
+      <p:nvGrpSpPr>
+        <p:cNvPr id="1" name=""/>
+        <p:cNvGrpSpPr/>
+        <p:nvPr/>
+      </p:nvGrpSpPr>
+      <p:grpSpPr>
+        <a:xfrm>
+          <a:off x="0" y="0"/>
+          <a:ext cx="0" cy="0"/>
+          <a:chOff x="0" y="0"/>
+          <a:chExt cx="0" cy="0"/>
+        </a:xfrm>
+      </p:grpSpPr>
+      <p:sp>
+        <p:nvSpPr>
+          <p:cNvPr id="2" name="标题 1">
+            <a:extLst>
+              <a:ext uri="{FF2B5EF4-FFF2-40B4-BE49-F238E27FC236}">
+                <a16:creationId xmlns:a16="http://schemas.microsoft.com/office/drawing/2014/main" id="{84EF81B2-0A71-427B-BF8F-03D7D6C7EE31}"/>
+              </a:ext>
+            </a:extLst>
+          </p:cNvPr>
+          <p:cNvSpPr>
+            <a:spLocks noGrp="1"/>
+          </p:cNvSpPr>
+          <p:nvPr>
+            <p:ph type="title"/>
+          </p:nvPr>
+        </p:nvSpPr>
+        <p:spPr/>
+        <p:txBody>
+          <a:bodyPr/>
+          <a:lstStyle/>
+          <a:p>
+            <a:r>
+              <a:rPr lang="en-US" dirty="0"/>
+              <a:t>JavaScript – DOM Event</a:t>
+            </a:r>
+          </a:p>
+        </p:txBody>
+      </p:sp>
+      <p:sp>
+        <p:nvSpPr>
+          <p:cNvPr id="3" name="内容占位符 2">
+            <a:extLst>
+              <a:ext uri="{FF2B5EF4-FFF2-40B4-BE49-F238E27FC236}">
+                <a16:creationId xmlns:a16="http://schemas.microsoft.com/office/drawing/2014/main" id="{BBACB64B-E850-4091-BF63-7A2500A67C64}"/>
+              </a:ext>
+            </a:extLst>
+          </p:cNvPr>
+          <p:cNvSpPr>
+            <a:spLocks noGrp="1"/>
+          </p:cNvSpPr>
+          <p:nvPr>
+            <p:ph idx="1"/>
+          </p:nvPr>
+        </p:nvSpPr>
+        <p:spPr>
+          <a:xfrm>
+            <a:off x="1103312" y="2052918"/>
+            <a:ext cx="10196492" cy="4195481"/>
+          </a:xfrm>
+        </p:spPr>
+        <p:txBody>
+          <a:bodyPr>
+            <a:normAutofit/>
+          </a:bodyPr>
+          <a:lstStyle/>
+          <a:p>
+            <a:r>
               <a:rPr lang="en-US" sz="3200" dirty="0"/>
               <a:t>Example: </a:t>
             </a:r>
@@ -6310,6 +6538,20 @@
               <a:t>制作一个计算器！</a:t>
             </a:r>
             <a:endParaRPr lang="en-US" altLang="zh-CN" sz="3200" dirty="0"/>
+          </a:p>
+          <a:p>
+            <a:r>
+              <a:rPr lang="en-US" sz="3200" dirty="0"/>
+              <a:t>Another demo: User</a:t>
+            </a:r>
+            <a:r>
+              <a:rPr lang="zh-CN" altLang="en-US" sz="3200" dirty="0"/>
+              <a:t> </a:t>
+            </a:r>
+            <a:r>
+              <a:rPr lang="en-US" altLang="zh-CN" sz="3200" dirty="0"/>
+              <a:t>Table!</a:t>
+            </a:r>
           </a:p>
           <a:p>
             <a:endParaRPr lang="en-US" sz="3200" dirty="0"/>
@@ -6357,7 +6599,7 @@
 </p:sld>
 </file>
 
-<file path=ppt/slides/slide12.xml><?xml version="1.0" encoding="utf-8"?>
+<file path=ppt/slides/slide13.xml><?xml version="1.0" encoding="utf-8"?>
 <p:sld xmlns:a="http://schemas.openxmlformats.org/drawingml/2006/main" xmlns:r="http://schemas.openxmlformats.org/officeDocument/2006/relationships" xmlns:p="http://schemas.openxmlformats.org/presentationml/2006/main">
   <p:cSld>
     <p:bg>
@@ -7240,187 +7482,6 @@
 </p:sld>
 </file>
 
-<file path=ppt/slides/slide13.xml><?xml version="1.0" encoding="utf-8"?>
-<p:sld xmlns:a="http://schemas.openxmlformats.org/drawingml/2006/main" xmlns:r="http://schemas.openxmlformats.org/officeDocument/2006/relationships" xmlns:p="http://schemas.openxmlformats.org/presentationml/2006/main">
-  <p:cSld>
-    <p:spTree>
-      <p:nvGrpSpPr>
-        <p:cNvPr id="1" name=""/>
-        <p:cNvGrpSpPr/>
-        <p:nvPr/>
-      </p:nvGrpSpPr>
-      <p:grpSpPr>
-        <a:xfrm>
-          <a:off x="0" y="0"/>
-          <a:ext cx="0" cy="0"/>
-          <a:chOff x="0" y="0"/>
-          <a:chExt cx="0" cy="0"/>
-        </a:xfrm>
-      </p:grpSpPr>
-      <p:sp>
-        <p:nvSpPr>
-          <p:cNvPr id="2" name="标题 1">
-            <a:extLst>
-              <a:ext uri="{FF2B5EF4-FFF2-40B4-BE49-F238E27FC236}">
-                <a16:creationId xmlns:a16="http://schemas.microsoft.com/office/drawing/2014/main" id="{5DF990AF-51CF-4FCA-AF93-1E9BEEC6F310}"/>
-              </a:ext>
-            </a:extLst>
-          </p:cNvPr>
-          <p:cNvSpPr>
-            <a:spLocks noGrp="1"/>
-          </p:cNvSpPr>
-          <p:nvPr>
-            <p:ph type="title"/>
-          </p:nvPr>
-        </p:nvSpPr>
-        <p:spPr/>
-        <p:txBody>
-          <a:bodyPr/>
-          <a:lstStyle/>
-          <a:p>
-            <a:r>
-              <a:rPr lang="en-US" altLang="zh-CN" dirty="0"/>
-              <a:t>JavaScript – </a:t>
-            </a:r>
-            <a:r>
-              <a:rPr lang="zh-CN" altLang="en-US" dirty="0"/>
-              <a:t>异步</a:t>
-            </a:r>
-            <a:endParaRPr lang="en-US" dirty="0"/>
-          </a:p>
-        </p:txBody>
-      </p:sp>
-      <p:sp>
-        <p:nvSpPr>
-          <p:cNvPr id="3" name="内容占位符 2">
-            <a:extLst>
-              <a:ext uri="{FF2B5EF4-FFF2-40B4-BE49-F238E27FC236}">
-                <a16:creationId xmlns:a16="http://schemas.microsoft.com/office/drawing/2014/main" id="{066A182F-7C42-4A9D-8E93-D6C31C313A1F}"/>
-              </a:ext>
-            </a:extLst>
-          </p:cNvPr>
-          <p:cNvSpPr>
-            <a:spLocks noGrp="1"/>
-          </p:cNvSpPr>
-          <p:nvPr>
-            <p:ph idx="1"/>
-          </p:nvPr>
-        </p:nvSpPr>
-        <p:spPr/>
-        <p:txBody>
-          <a:bodyPr>
-            <a:normAutofit/>
-          </a:bodyPr>
-          <a:lstStyle/>
-          <a:p>
-            <a:r>
-              <a:rPr lang="en-US" altLang="zh-CN" sz="2800" dirty="0" err="1"/>
-              <a:t>setTimeout</a:t>
-            </a:r>
-            <a:r>
-              <a:rPr lang="en-US" altLang="zh-CN" sz="2800" dirty="0"/>
-              <a:t>( function, time(</a:t>
-            </a:r>
-            <a:r>
-              <a:rPr lang="en-US" altLang="zh-CN" sz="2800" dirty="0" err="1"/>
-              <a:t>ms</a:t>
-            </a:r>
-            <a:r>
-              <a:rPr lang="en-US" altLang="zh-CN" sz="2800" dirty="0"/>
-              <a:t>) )</a:t>
-            </a:r>
-          </a:p>
-          <a:p>
-            <a:r>
-              <a:rPr lang="en-US" altLang="zh-CN" sz="2800" dirty="0" err="1"/>
-              <a:t>setInterval</a:t>
-            </a:r>
-            <a:r>
-              <a:rPr lang="en-US" altLang="zh-CN" sz="2800" dirty="0"/>
-              <a:t>( function, time(</a:t>
-            </a:r>
-            <a:r>
-              <a:rPr lang="en-US" altLang="zh-CN" sz="2800" dirty="0" err="1"/>
-              <a:t>ms</a:t>
-            </a:r>
-            <a:r>
-              <a:rPr lang="en-US" altLang="zh-CN" sz="2800" dirty="0"/>
-              <a:t>) )</a:t>
-            </a:r>
-          </a:p>
-          <a:p>
-            <a:r>
-              <a:rPr lang="zh-CN" altLang="en-US" sz="2800" dirty="0"/>
-              <a:t>停止：</a:t>
-            </a:r>
-            <a:endParaRPr lang="en-US" altLang="zh-CN" sz="2800" dirty="0"/>
-          </a:p>
-          <a:p>
-            <a:r>
-              <a:rPr lang="en-US" altLang="zh-CN" sz="2800" dirty="0" err="1"/>
-              <a:t>window.clearTimeout</a:t>
-            </a:r>
-            <a:r>
-              <a:rPr lang="en-US" altLang="zh-CN" sz="2800" dirty="0"/>
-              <a:t>( </a:t>
-            </a:r>
-            <a:r>
-              <a:rPr lang="en-US" altLang="zh-CN" sz="2800" dirty="0" err="1"/>
-              <a:t>timeoutVariable</a:t>
-            </a:r>
-            <a:r>
-              <a:rPr lang="en-US" altLang="zh-CN" sz="2800" dirty="0"/>
-              <a:t> )</a:t>
-            </a:r>
-          </a:p>
-          <a:p>
-            <a:r>
-              <a:rPr lang="en-US" altLang="zh-CN" sz="2800" dirty="0" err="1"/>
-              <a:t>window.clearInterval</a:t>
-            </a:r>
-            <a:r>
-              <a:rPr lang="en-US" altLang="zh-CN" sz="2800" dirty="0"/>
-              <a:t>( </a:t>
-            </a:r>
-            <a:r>
-              <a:rPr lang="en-US" altLang="zh-CN" sz="2800" dirty="0" err="1"/>
-              <a:t>intervalVariable</a:t>
-            </a:r>
-            <a:r>
-              <a:rPr lang="en-US" altLang="zh-CN" sz="2800" dirty="0"/>
-              <a:t>) </a:t>
-            </a:r>
-          </a:p>
-          <a:p>
-            <a:endParaRPr lang="en-US" altLang="zh-CN" sz="2800" dirty="0"/>
-          </a:p>
-          <a:p>
-            <a:r>
-              <a:rPr lang="en-US" sz="2800" dirty="0">
-                <a:hlinkClick r:id="rId2"/>
-              </a:rPr>
-              <a:t>http://www.runoob.com/js/js-timing.html</a:t>
-            </a:r>
-            <a:endParaRPr lang="en-US" sz="2800" dirty="0"/>
-          </a:p>
-          <a:p>
-            <a:endParaRPr lang="en-US" sz="2800" dirty="0"/>
-          </a:p>
-        </p:txBody>
-      </p:sp>
-    </p:spTree>
-    <p:extLst>
-      <p:ext uri="{BB962C8B-B14F-4D97-AF65-F5344CB8AC3E}">
-        <p14:creationId xmlns:p14="http://schemas.microsoft.com/office/powerpoint/2010/main" val="1164545575"/>
-      </p:ext>
-    </p:extLst>
-  </p:cSld>
-  <p:clrMapOvr>
-    <a:masterClrMapping/>
-  </p:clrMapOvr>
-</p:sld>
-</file>
-
 <file path=ppt/slides/slide14.xml><?xml version="1.0" encoding="utf-8"?>
 <p:sld xmlns:a="http://schemas.openxmlformats.org/drawingml/2006/main" xmlns:r="http://schemas.openxmlformats.org/officeDocument/2006/relationships" xmlns:p="http://schemas.openxmlformats.org/presentationml/2006/main">
   <p:cSld>
@@ -7443,7 +7504,7 @@
           <p:cNvPr id="2" name="标题 1">
             <a:extLst>
               <a:ext uri="{FF2B5EF4-FFF2-40B4-BE49-F238E27FC236}">
-                <a16:creationId xmlns:a16="http://schemas.microsoft.com/office/drawing/2014/main" id="{84EF81B2-0A71-427B-BF8F-03D7D6C7EE31}"/>
+                <a16:creationId xmlns:a16="http://schemas.microsoft.com/office/drawing/2014/main" id="{5DF990AF-51CF-4FCA-AF93-1E9BEEC6F310}"/>
               </a:ext>
             </a:extLst>
           </p:cNvPr>
@@ -7460,7 +7521,7 @@
           <a:lstStyle/>
           <a:p>
             <a:r>
-              <a:rPr lang="en-US" dirty="0"/>
+              <a:rPr lang="en-US" altLang="zh-CN" dirty="0"/>
               <a:t>JavaScript – </a:t>
             </a:r>
             <a:r>
@@ -7476,7 +7537,7 @@
           <p:cNvPr id="3" name="内容占位符 2">
             <a:extLst>
               <a:ext uri="{FF2B5EF4-FFF2-40B4-BE49-F238E27FC236}">
-                <a16:creationId xmlns:a16="http://schemas.microsoft.com/office/drawing/2014/main" id="{BBACB64B-E850-4091-BF63-7A2500A67C64}"/>
+                <a16:creationId xmlns:a16="http://schemas.microsoft.com/office/drawing/2014/main" id="{066A182F-7C42-4A9D-8E93-D6C31C313A1F}"/>
               </a:ext>
             </a:extLst>
           </p:cNvPr>
@@ -7495,51 +7556,104 @@
           <a:lstStyle/>
           <a:p>
             <a:r>
-              <a:rPr lang="en-US" sz="2800" dirty="0"/>
-              <a:t>Example 1: A Clock</a:t>
-            </a:r>
-          </a:p>
-          <a:p>
-            <a:r>
-              <a:rPr lang="en-US" sz="2800" dirty="0"/>
-              <a:t>Example 2: A Stopwatch (</a:t>
-            </a:r>
+              <a:rPr lang="en-US" altLang="zh-CN" sz="2800" dirty="0" err="1"/>
+              <a:t>setTimeout</a:t>
+            </a:r>
+            <a:r>
+              <a:rPr lang="en-US" altLang="zh-CN" sz="2800" dirty="0"/>
+              <a:t>( function, time(</a:t>
+            </a:r>
+            <a:r>
+              <a:rPr lang="en-US" altLang="zh-CN" sz="2800" dirty="0" err="1"/>
+              <a:t>ms</a:t>
+            </a:r>
+            <a:r>
+              <a:rPr lang="en-US" altLang="zh-CN" sz="2800" dirty="0"/>
+              <a:t>) )</a:t>
+            </a:r>
+          </a:p>
+          <a:p>
+            <a:r>
+              <a:rPr lang="en-US" altLang="zh-CN" sz="2800" dirty="0" err="1"/>
+              <a:t>setInterval</a:t>
+            </a:r>
+            <a:r>
+              <a:rPr lang="en-US" altLang="zh-CN" sz="2800" dirty="0"/>
+              <a:t>( function, time(</a:t>
+            </a:r>
+            <a:r>
+              <a:rPr lang="en-US" altLang="zh-CN" sz="2800" dirty="0" err="1"/>
+              <a:t>ms</a:t>
+            </a:r>
+            <a:r>
+              <a:rPr lang="en-US" altLang="zh-CN" sz="2800" dirty="0"/>
+              <a:t>) )</a:t>
+            </a:r>
+          </a:p>
+          <a:p>
             <a:r>
               <a:rPr lang="zh-CN" altLang="en-US" sz="2800" dirty="0"/>
-              <a:t>页面打开后开始计时</a:t>
-            </a:r>
-            <a:r>
-              <a:rPr lang="en-US" sz="2800" dirty="0"/>
-              <a:t>)</a:t>
-            </a:r>
-          </a:p>
-          <a:p>
-            <a:endParaRPr lang="en-US" sz="2800" dirty="0"/>
-          </a:p>
-          <a:p>
-            <a:r>
-              <a:rPr lang="en-US" sz="2800" dirty="0"/>
-              <a:t>Some reference of Date:</a:t>
-            </a:r>
+              <a:t>停止：</a:t>
+            </a:r>
+            <a:endParaRPr lang="en-US" altLang="zh-CN" sz="2800" dirty="0"/>
+          </a:p>
+          <a:p>
+            <a:r>
+              <a:rPr lang="en-US" altLang="zh-CN" sz="2800" dirty="0" err="1"/>
+              <a:t>window.clearTimeout</a:t>
+            </a:r>
+            <a:r>
+              <a:rPr lang="en-US" altLang="zh-CN" sz="2800" dirty="0"/>
+              <a:t>( </a:t>
+            </a:r>
+            <a:r>
+              <a:rPr lang="en-US" altLang="zh-CN" sz="2800" dirty="0" err="1"/>
+              <a:t>timeoutVariable</a:t>
+            </a:r>
+            <a:r>
+              <a:rPr lang="en-US" altLang="zh-CN" sz="2800" dirty="0"/>
+              <a:t> )</a:t>
+            </a:r>
+          </a:p>
+          <a:p>
+            <a:r>
+              <a:rPr lang="en-US" altLang="zh-CN" sz="2800" dirty="0" err="1"/>
+              <a:t>window.clearInterval</a:t>
+            </a:r>
+            <a:r>
+              <a:rPr lang="en-US" altLang="zh-CN" sz="2800" dirty="0"/>
+              <a:t>( </a:t>
+            </a:r>
+            <a:r>
+              <a:rPr lang="en-US" altLang="zh-CN" sz="2800" dirty="0" err="1"/>
+              <a:t>intervalVariable</a:t>
+            </a:r>
+            <a:r>
+              <a:rPr lang="en-US" altLang="zh-CN" sz="2800" dirty="0"/>
+              <a:t>) </a:t>
+            </a:r>
+          </a:p>
+          <a:p>
+            <a:endParaRPr lang="en-US" altLang="zh-CN" sz="2800" dirty="0"/>
           </a:p>
           <a:p>
             <a:r>
               <a:rPr lang="en-US" sz="2800" dirty="0">
                 <a:hlinkClick r:id="rId2"/>
               </a:rPr>
-              <a:t>http://www.runoob.com/js/js-obj-date.html</a:t>
-            </a:r>
-            <a:r>
-              <a:rPr lang="en-US" sz="2800" dirty="0"/>
-              <a:t> </a:t>
-            </a:r>
+              <a:t>http://www.runoob.com/js/js-timing.html</a:t>
+            </a:r>
+            <a:endParaRPr lang="en-US" sz="2800" dirty="0"/>
+          </a:p>
+          <a:p>
+            <a:endParaRPr lang="en-US" sz="2800" dirty="0"/>
           </a:p>
         </p:txBody>
       </p:sp>
     </p:spTree>
     <p:extLst>
       <p:ext uri="{BB962C8B-B14F-4D97-AF65-F5344CB8AC3E}">
-        <p14:creationId xmlns:p14="http://schemas.microsoft.com/office/powerpoint/2010/main" val="1608784995"/>
+        <p14:creationId xmlns:p14="http://schemas.microsoft.com/office/powerpoint/2010/main" val="1164545575"/>
       </p:ext>
     </p:extLst>
   </p:cSld>
@@ -7624,7 +7738,30 @@
           <a:p>
             <a:r>
               <a:rPr lang="en-US" sz="2800" dirty="0"/>
-              <a:t>Look into the SIS:</a:t>
+              <a:t>Example 1: A Clock</a:t>
+            </a:r>
+          </a:p>
+          <a:p>
+            <a:r>
+              <a:rPr lang="en-US" sz="2800" dirty="0"/>
+              <a:t>Example 2: A Stopwatch (</a:t>
+            </a:r>
+            <a:r>
+              <a:rPr lang="zh-CN" altLang="en-US" sz="2800" dirty="0"/>
+              <a:t>页面打开后开始计时</a:t>
+            </a:r>
+            <a:r>
+              <a:rPr lang="en-US" sz="2800" dirty="0"/>
+              <a:t>)</a:t>
+            </a:r>
+          </a:p>
+          <a:p>
+            <a:endParaRPr lang="en-US" sz="2800" dirty="0"/>
+          </a:p>
+          <a:p>
+            <a:r>
+              <a:rPr lang="en-US" sz="2800" dirty="0"/>
+              <a:t>Some reference of Date:</a:t>
             </a:r>
           </a:p>
           <a:p>
@@ -7632,43 +7769,19 @@
               <a:rPr lang="en-US" sz="2800" dirty="0">
                 <a:hlinkClick r:id="rId2"/>
               </a:rPr>
-              <a:t>http://116.31.95.2:81/psp/csprd/EMPLOYEE/HRMS/h/</a:t>
-            </a:r>
-            <a:endParaRPr lang="en-US" sz="2800" dirty="0"/>
-          </a:p>
-          <a:p>
-            <a:r>
-              <a:rPr lang="en-US" sz="2800" dirty="0">
-                <a:hlinkClick r:id="rId3"/>
-              </a:rPr>
-              <a:t>http://116.31.95.2:81/psp/csprd/?&amp;cmd=login&amp;languageCd</a:t>
-            </a:r>
-            <a:r>
-              <a:rPr lang="en-US" sz="2800">
-                <a:hlinkClick r:id="rId3"/>
-              </a:rPr>
-              <a:t>=ENG</a:t>
-            </a:r>
-            <a:endParaRPr lang="en-US" sz="2800"/>
-          </a:p>
-          <a:p>
-            <a:endParaRPr lang="en-US" sz="2800" dirty="0"/>
-          </a:p>
-          <a:p>
-            <a:r>
-              <a:rPr lang="en-US" altLang="zh-CN" sz="2800" dirty="0"/>
-              <a:t>Open question: Why the bug occurs?</a:t>
-            </a:r>
-          </a:p>
-          <a:p>
-            <a:endParaRPr lang="en-US" sz="2800" dirty="0"/>
+              <a:t>http://www.runoob.com/js/js-obj-date.html</a:t>
+            </a:r>
+            <a:r>
+              <a:rPr lang="en-US" sz="2800" dirty="0"/>
+              <a:t> </a:t>
+            </a:r>
           </a:p>
         </p:txBody>
       </p:sp>
     </p:spTree>
     <p:extLst>
       <p:ext uri="{BB962C8B-B14F-4D97-AF65-F5344CB8AC3E}">
-        <p14:creationId xmlns:p14="http://schemas.microsoft.com/office/powerpoint/2010/main" val="19109813"/>
+        <p14:creationId xmlns:p14="http://schemas.microsoft.com/office/powerpoint/2010/main" val="1608784995"/>
       </p:ext>
     </p:extLst>
   </p:cSld>
@@ -7718,8 +7831,13 @@
           <a:p>
             <a:r>
               <a:rPr lang="en-US" dirty="0"/>
-              <a:t>Revision of what we have learnt</a:t>
-            </a:r>
+              <a:t>JavaScript – </a:t>
+            </a:r>
+            <a:r>
+              <a:rPr lang="zh-CN" altLang="en-US" dirty="0"/>
+              <a:t>异步</a:t>
+            </a:r>
+            <a:endParaRPr lang="en-US" dirty="0"/>
           </a:p>
         </p:txBody>
       </p:sp>
@@ -7748,41 +7866,41 @@
           <a:p>
             <a:r>
               <a:rPr lang="en-US" sz="2800" dirty="0"/>
-              <a:t>HTML5</a:t>
-            </a:r>
-          </a:p>
-          <a:p>
-            <a:r>
-              <a:rPr lang="en-US" sz="2800" dirty="0"/>
-              <a:t>CSS3</a:t>
+              <a:t>Look into the SIS:</a:t>
             </a:r>
           </a:p>
           <a:p>
             <a:r>
               <a:rPr lang="en-US" sz="2800" dirty="0">
-                <a:sym typeface="Wingdings" panose="05000000000000000000" pitchFamily="2" charset="2"/>
+                <a:hlinkClick r:id="rId2"/>
               </a:rPr>
-              <a:t> A good looking website.</a:t>
-            </a:r>
+              <a:t>http://116.31.95.2:81/psp/csprd/EMPLOYEE/HRMS/h/</a:t>
+            </a:r>
+            <a:endParaRPr lang="en-US" sz="2800" dirty="0"/>
           </a:p>
           <a:p>
             <a:r>
               <a:rPr lang="en-US" sz="2800" dirty="0">
-                <a:sym typeface="Wingdings" panose="05000000000000000000" pitchFamily="2" charset="2"/>
+                <a:hlinkClick r:id="rId3"/>
               </a:rPr>
-              <a:t>JavaScript</a:t>
-            </a:r>
-          </a:p>
-          <a:p>
-            <a:r>
-              <a:rPr lang="en-US" sz="2800" dirty="0">
-                <a:sym typeface="Wingdings" panose="05000000000000000000" pitchFamily="2" charset="2"/>
+              <a:t>http://116.31.95.2:81/psp/csprd/?&amp;cmd=login&amp;languageCd</a:t>
+            </a:r>
+            <a:r>
+              <a:rPr lang="en-US" sz="2800">
+                <a:hlinkClick r:id="rId3"/>
               </a:rPr>
-              <a:t> A powerful website.</a:t>
-            </a:r>
+              <a:t>=ENG</a:t>
+            </a:r>
+            <a:endParaRPr lang="en-US" sz="2800"/>
           </a:p>
           <a:p>
             <a:endParaRPr lang="en-US" sz="2800" dirty="0"/>
+          </a:p>
+          <a:p>
+            <a:r>
+              <a:rPr lang="en-US" altLang="zh-CN" sz="2800" dirty="0"/>
+              <a:t>Open question: Why the bug occurs?</a:t>
+            </a:r>
           </a:p>
           <a:p>
             <a:endParaRPr lang="en-US" sz="2800" dirty="0"/>
@@ -7792,7 +7910,7 @@
     </p:spTree>
     <p:extLst>
       <p:ext uri="{BB962C8B-B14F-4D97-AF65-F5344CB8AC3E}">
-        <p14:creationId xmlns:p14="http://schemas.microsoft.com/office/powerpoint/2010/main" val="2736856825"/>
+        <p14:creationId xmlns:p14="http://schemas.microsoft.com/office/powerpoint/2010/main" val="19109813"/>
       </p:ext>
     </p:extLst>
   </p:cSld>
@@ -7842,7 +7960,7 @@
           <a:p>
             <a:r>
               <a:rPr lang="en-US" dirty="0"/>
-              <a:t>NEXT STEP – React </a:t>
+              <a:t>Revision of what we have learnt</a:t>
             </a:r>
           </a:p>
         </p:txBody>
@@ -7872,19 +7990,37 @@
           <a:p>
             <a:r>
               <a:rPr lang="en-US" sz="2800" dirty="0"/>
-              <a:t>React: a powerful platform.</a:t>
+              <a:t>HTML5</a:t>
             </a:r>
           </a:p>
           <a:p>
             <a:r>
               <a:rPr lang="en-US" sz="2800" dirty="0"/>
-              <a:t>Use JavaScript ES6 to write HTML.</a:t>
-            </a:r>
-          </a:p>
-          <a:p>
-            <a:r>
-              <a:rPr lang="en-US" sz="2800" dirty="0"/>
-              <a:t>More fancy UI libraries!</a:t>
+              <a:t>CSS3</a:t>
+            </a:r>
+          </a:p>
+          <a:p>
+            <a:r>
+              <a:rPr lang="en-US" sz="2800" dirty="0">
+                <a:sym typeface="Wingdings" panose="05000000000000000000" pitchFamily="2" charset="2"/>
+              </a:rPr>
+              <a:t> A good looking website.</a:t>
+            </a:r>
+          </a:p>
+          <a:p>
+            <a:r>
+              <a:rPr lang="en-US" sz="2800" dirty="0">
+                <a:sym typeface="Wingdings" panose="05000000000000000000" pitchFamily="2" charset="2"/>
+              </a:rPr>
+              <a:t>JavaScript</a:t>
+            </a:r>
+          </a:p>
+          <a:p>
+            <a:r>
+              <a:rPr lang="en-US" sz="2800" dirty="0">
+                <a:sym typeface="Wingdings" panose="05000000000000000000" pitchFamily="2" charset="2"/>
+              </a:rPr>
+              <a:t> A powerful website.</a:t>
             </a:r>
           </a:p>
           <a:p>
@@ -7898,7 +8034,7 @@
     </p:spTree>
     <p:extLst>
       <p:ext uri="{BB962C8B-B14F-4D97-AF65-F5344CB8AC3E}">
-        <p14:creationId xmlns:p14="http://schemas.microsoft.com/office/powerpoint/2010/main" val="267033996"/>
+        <p14:creationId xmlns:p14="http://schemas.microsoft.com/office/powerpoint/2010/main" val="2736856825"/>
       </p:ext>
     </p:extLst>
   </p:cSld>
@@ -7969,142 +8105,28 @@
             <p:ph idx="1"/>
           </p:nvPr>
         </p:nvSpPr>
-        <p:spPr>
-          <a:xfrm>
-            <a:off x="1103312" y="1289849"/>
-            <a:ext cx="8946541" cy="5450066"/>
-          </a:xfrm>
-        </p:spPr>
+        <p:spPr/>
         <p:txBody>
           <a:bodyPr>
-            <a:normAutofit fontScale="92500" lnSpcReduction="10000"/>
+            <a:normAutofit/>
           </a:bodyPr>
           <a:lstStyle/>
           <a:p>
             <a:r>
               <a:rPr lang="en-US" sz="2800" dirty="0"/>
-              <a:t>React Tutorial: </a:t>
-            </a:r>
-            <a:r>
-              <a:rPr lang="en-US" sz="2800" dirty="0">
-                <a:hlinkClick r:id="rId2"/>
-              </a:rPr>
-              <a:t>https://react.docschina.org/</a:t>
-            </a:r>
-            <a:endParaRPr lang="en-US" sz="2800" dirty="0"/>
+              <a:t>React: a powerful platform.</a:t>
+            </a:r>
           </a:p>
           <a:p>
             <a:r>
               <a:rPr lang="en-US" sz="2800" dirty="0"/>
-              <a:t>Ant Design: </a:t>
-            </a:r>
-            <a:r>
-              <a:rPr lang="en-US" sz="2800" dirty="0">
-                <a:hlinkClick r:id="rId3"/>
-              </a:rPr>
-              <a:t>https://ant.design/index-cn</a:t>
-            </a:r>
-            <a:endParaRPr lang="en-US" sz="2800" dirty="0"/>
+              <a:t>Use JavaScript ES6 to write HTML.</a:t>
+            </a:r>
           </a:p>
           <a:p>
             <a:r>
               <a:rPr lang="en-US" sz="2800" dirty="0"/>
-              <a:t>Material UI: </a:t>
-            </a:r>
-            <a:r>
-              <a:rPr lang="en-US" sz="2800" dirty="0">
-                <a:hlinkClick r:id="rId4"/>
-              </a:rPr>
-              <a:t>https://material-ui.com/</a:t>
-            </a:r>
-            <a:endParaRPr lang="en-US" sz="2800" dirty="0"/>
-          </a:p>
-          <a:p>
-            <a:r>
-              <a:rPr lang="en-US" sz="2800" dirty="0"/>
-              <a:t>React Bootstrap: </a:t>
-            </a:r>
-            <a:r>
-              <a:rPr lang="en-US" sz="2800" dirty="0">
-                <a:hlinkClick r:id="rId5"/>
-              </a:rPr>
-              <a:t>https://react-bootstrap.netlify.com/</a:t>
-            </a:r>
-            <a:endParaRPr lang="en-US" sz="2800" dirty="0"/>
-          </a:p>
-          <a:p>
-            <a:r>
-              <a:rPr lang="en-US" sz="2800" dirty="0"/>
-              <a:t>Belle: </a:t>
-            </a:r>
-            <a:r>
-              <a:rPr lang="en-US" sz="2800" dirty="0">
-                <a:hlinkClick r:id="rId6"/>
-              </a:rPr>
-              <a:t>http://nikgraf.github.io/belle/</a:t>
-            </a:r>
-            <a:endParaRPr lang="en-US" sz="2800" dirty="0"/>
-          </a:p>
-          <a:p>
-            <a:r>
-              <a:rPr lang="en-US" sz="2800" dirty="0"/>
-              <a:t>React Toolbox: </a:t>
-            </a:r>
-            <a:r>
-              <a:rPr lang="en-US" sz="2800" dirty="0">
-                <a:hlinkClick r:id="rId7"/>
-              </a:rPr>
-              <a:t>http://react-toolbox.io/</a:t>
-            </a:r>
-            <a:endParaRPr lang="en-US" sz="2800" dirty="0"/>
-          </a:p>
-          <a:p>
-            <a:r>
-              <a:rPr lang="en-US" sz="2800" dirty="0"/>
-              <a:t>Grommet: </a:t>
-            </a:r>
-            <a:r>
-              <a:rPr lang="en-US" sz="2800" dirty="0">
-                <a:hlinkClick r:id="rId8"/>
-              </a:rPr>
-              <a:t>https://grommet.io/</a:t>
-            </a:r>
-            <a:endParaRPr lang="en-US" sz="2800" dirty="0"/>
-          </a:p>
-          <a:p>
-            <a:r>
-              <a:rPr lang="en-US" sz="2800" dirty="0"/>
-              <a:t>Semantic UI React: </a:t>
-            </a:r>
-            <a:r>
-              <a:rPr lang="en-US" sz="2800" dirty="0">
-                <a:hlinkClick r:id="rId9"/>
-              </a:rPr>
-              <a:t>https://react.semantic-ui.com/</a:t>
-            </a:r>
-            <a:endParaRPr lang="en-US" sz="2800" dirty="0"/>
-          </a:p>
-          <a:p>
-            <a:r>
-              <a:rPr lang="en-US" sz="2800" dirty="0" err="1"/>
-              <a:t>Onsen</a:t>
-            </a:r>
-            <a:r>
-              <a:rPr lang="en-US" sz="2800" dirty="0"/>
-              <a:t> UI: </a:t>
-            </a:r>
-            <a:r>
-              <a:rPr lang="en-US" sz="2800" dirty="0">
-                <a:hlinkClick r:id="rId10"/>
-              </a:rPr>
-              <a:t>https://onsen.io/react/</a:t>
-            </a:r>
-            <a:endParaRPr lang="en-US" sz="2800" dirty="0"/>
-          </a:p>
-          <a:p>
-            <a:r>
-              <a:rPr lang="en-US" sz="2800" dirty="0"/>
-              <a:t>For more, Google: React UI</a:t>
+              <a:t>More fancy UI libraries!</a:t>
             </a:r>
           </a:p>
           <a:p>
@@ -8118,7 +8140,7 @@
     </p:spTree>
     <p:extLst>
       <p:ext uri="{BB962C8B-B14F-4D97-AF65-F5344CB8AC3E}">
-        <p14:creationId xmlns:p14="http://schemas.microsoft.com/office/powerpoint/2010/main" val="458975611"/>
+        <p14:creationId xmlns:p14="http://schemas.microsoft.com/office/powerpoint/2010/main" val="267033996"/>
       </p:ext>
     </p:extLst>
   </p:cSld>
@@ -8150,7 +8172,7 @@
           <p:cNvPr id="2" name="标题 1">
             <a:extLst>
               <a:ext uri="{FF2B5EF4-FFF2-40B4-BE49-F238E27FC236}">
-                <a16:creationId xmlns:a16="http://schemas.microsoft.com/office/drawing/2014/main" id="{2C83C15F-9973-4482-960E-F611ACEAF505}"/>
+                <a16:creationId xmlns:a16="http://schemas.microsoft.com/office/drawing/2014/main" id="{84EF81B2-0A71-427B-BF8F-03D7D6C7EE31}"/>
               </a:ext>
             </a:extLst>
           </p:cNvPr>
@@ -8168,7 +8190,7 @@
           <a:p>
             <a:r>
               <a:rPr lang="en-US" dirty="0"/>
-              <a:t>What to do during the break?</a:t>
+              <a:t>NEXT STEP – React </a:t>
             </a:r>
           </a:p>
         </p:txBody>
@@ -8178,7 +8200,7 @@
           <p:cNvPr id="3" name="内容占位符 2">
             <a:extLst>
               <a:ext uri="{FF2B5EF4-FFF2-40B4-BE49-F238E27FC236}">
-                <a16:creationId xmlns:a16="http://schemas.microsoft.com/office/drawing/2014/main" id="{C3A434E5-1623-4C3C-A0D0-EE860173BB37}"/>
+                <a16:creationId xmlns:a16="http://schemas.microsoft.com/office/drawing/2014/main" id="{BBACB64B-E850-4091-BF63-7A2500A67C64}"/>
               </a:ext>
             </a:extLst>
           </p:cNvPr>
@@ -8189,47 +8211,156 @@
             <p:ph idx="1"/>
           </p:nvPr>
         </p:nvSpPr>
-        <p:spPr/>
+        <p:spPr>
+          <a:xfrm>
+            <a:off x="1103312" y="1289849"/>
+            <a:ext cx="8946541" cy="5450066"/>
+          </a:xfrm>
+        </p:spPr>
         <p:txBody>
           <a:bodyPr>
-            <a:normAutofit/>
+            <a:normAutofit fontScale="92500" lnSpcReduction="10000"/>
           </a:bodyPr>
           <a:lstStyle/>
           <a:p>
             <a:r>
-              <a:rPr lang="en-US" sz="3200" dirty="0"/>
-              <a:t>Get your group website better – more pages, functions, creative styles . . .</a:t>
-            </a:r>
-          </a:p>
-          <a:p>
-            <a:r>
-              <a:rPr lang="en-US" sz="3200" dirty="0"/>
-              <a:t>Practice JavaScript programming with </a:t>
-            </a:r>
-            <a:r>
-              <a:rPr lang="en-US" sz="3200" dirty="0" err="1"/>
-              <a:t>LeetCode</a:t>
-            </a:r>
-            <a:r>
-              <a:rPr lang="en-US" sz="3200" dirty="0"/>
-              <a:t>!</a:t>
-            </a:r>
-          </a:p>
-          <a:p>
-            <a:r>
-              <a:rPr lang="en-US" sz="3200" dirty="0"/>
-              <a:t>Enjoy learning React with tutorial.</a:t>
-            </a:r>
-          </a:p>
-          <a:p>
-            <a:endParaRPr lang="en-US" sz="3200" dirty="0"/>
+              <a:rPr lang="en-US" sz="2800" dirty="0"/>
+              <a:t>React Tutorial: </a:t>
+            </a:r>
+            <a:r>
+              <a:rPr lang="en-US" sz="2800" dirty="0">
+                <a:hlinkClick r:id="rId2"/>
+              </a:rPr>
+              <a:t>https://react.docschina.org/</a:t>
+            </a:r>
+            <a:endParaRPr lang="en-US" sz="2800" dirty="0"/>
+          </a:p>
+          <a:p>
+            <a:r>
+              <a:rPr lang="en-US" sz="2800" dirty="0"/>
+              <a:t>Ant Design: </a:t>
+            </a:r>
+            <a:r>
+              <a:rPr lang="en-US" sz="2800" dirty="0">
+                <a:hlinkClick r:id="rId3"/>
+              </a:rPr>
+              <a:t>https://ant.design/index-cn</a:t>
+            </a:r>
+            <a:endParaRPr lang="en-US" sz="2800" dirty="0"/>
+          </a:p>
+          <a:p>
+            <a:r>
+              <a:rPr lang="en-US" sz="2800" dirty="0"/>
+              <a:t>Material UI: </a:t>
+            </a:r>
+            <a:r>
+              <a:rPr lang="en-US" sz="2800" dirty="0">
+                <a:hlinkClick r:id="rId4"/>
+              </a:rPr>
+              <a:t>https://material-ui.com/</a:t>
+            </a:r>
+            <a:endParaRPr lang="en-US" sz="2800" dirty="0"/>
+          </a:p>
+          <a:p>
+            <a:r>
+              <a:rPr lang="en-US" sz="2800" dirty="0"/>
+              <a:t>React Bootstrap: </a:t>
+            </a:r>
+            <a:r>
+              <a:rPr lang="en-US" sz="2800" dirty="0">
+                <a:hlinkClick r:id="rId5"/>
+              </a:rPr>
+              <a:t>https://react-bootstrap.netlify.com/</a:t>
+            </a:r>
+            <a:endParaRPr lang="en-US" sz="2800" dirty="0"/>
+          </a:p>
+          <a:p>
+            <a:r>
+              <a:rPr lang="en-US" sz="2800" dirty="0"/>
+              <a:t>Belle: </a:t>
+            </a:r>
+            <a:r>
+              <a:rPr lang="en-US" sz="2800" dirty="0">
+                <a:hlinkClick r:id="rId6"/>
+              </a:rPr>
+              <a:t>http://nikgraf.github.io/belle/</a:t>
+            </a:r>
+            <a:endParaRPr lang="en-US" sz="2800" dirty="0"/>
+          </a:p>
+          <a:p>
+            <a:r>
+              <a:rPr lang="en-US" sz="2800" dirty="0"/>
+              <a:t>React Toolbox: </a:t>
+            </a:r>
+            <a:r>
+              <a:rPr lang="en-US" sz="2800" dirty="0">
+                <a:hlinkClick r:id="rId7"/>
+              </a:rPr>
+              <a:t>http://react-toolbox.io/</a:t>
+            </a:r>
+            <a:endParaRPr lang="en-US" sz="2800" dirty="0"/>
+          </a:p>
+          <a:p>
+            <a:r>
+              <a:rPr lang="en-US" sz="2800" dirty="0"/>
+              <a:t>Grommet: </a:t>
+            </a:r>
+            <a:r>
+              <a:rPr lang="en-US" sz="2800" dirty="0">
+                <a:hlinkClick r:id="rId8"/>
+              </a:rPr>
+              <a:t>https://grommet.io/</a:t>
+            </a:r>
+            <a:endParaRPr lang="en-US" sz="2800" dirty="0"/>
+          </a:p>
+          <a:p>
+            <a:r>
+              <a:rPr lang="en-US" sz="2800" dirty="0"/>
+              <a:t>Semantic UI React: </a:t>
+            </a:r>
+            <a:r>
+              <a:rPr lang="en-US" sz="2800" dirty="0">
+                <a:hlinkClick r:id="rId9"/>
+              </a:rPr>
+              <a:t>https://react.semantic-ui.com/</a:t>
+            </a:r>
+            <a:endParaRPr lang="en-US" sz="2800" dirty="0"/>
+          </a:p>
+          <a:p>
+            <a:r>
+              <a:rPr lang="en-US" sz="2800" dirty="0" err="1"/>
+              <a:t>Onsen</a:t>
+            </a:r>
+            <a:r>
+              <a:rPr lang="en-US" sz="2800" dirty="0"/>
+              <a:t> UI: </a:t>
+            </a:r>
+            <a:r>
+              <a:rPr lang="en-US" sz="2800" dirty="0">
+                <a:hlinkClick r:id="rId10"/>
+              </a:rPr>
+              <a:t>https://onsen.io/react/</a:t>
+            </a:r>
+            <a:endParaRPr lang="en-US" sz="2800" dirty="0"/>
+          </a:p>
+          <a:p>
+            <a:r>
+              <a:rPr lang="en-US" sz="2800" dirty="0"/>
+              <a:t>For more, Google: React UI</a:t>
+            </a:r>
+          </a:p>
+          <a:p>
+            <a:endParaRPr lang="en-US" sz="2800" dirty="0"/>
+          </a:p>
+          <a:p>
+            <a:endParaRPr lang="en-US" sz="2800" dirty="0"/>
           </a:p>
         </p:txBody>
       </p:sp>
     </p:spTree>
     <p:extLst>
       <p:ext uri="{BB962C8B-B14F-4D97-AF65-F5344CB8AC3E}">
-        <p14:creationId xmlns:p14="http://schemas.microsoft.com/office/powerpoint/2010/main" val="420577070"/>
+        <p14:creationId xmlns:p14="http://schemas.microsoft.com/office/powerpoint/2010/main" val="458975611"/>
       </p:ext>
     </p:extLst>
   </p:cSld>
@@ -8323,6 +8454,117 @@
 </file>
 
 <file path=ppt/slides/slide20.xml><?xml version="1.0" encoding="utf-8"?>
+<p:sld xmlns:a="http://schemas.openxmlformats.org/drawingml/2006/main" xmlns:r="http://schemas.openxmlformats.org/officeDocument/2006/relationships" xmlns:p="http://schemas.openxmlformats.org/presentationml/2006/main">
+  <p:cSld>
+    <p:spTree>
+      <p:nvGrpSpPr>
+        <p:cNvPr id="1" name=""/>
+        <p:cNvGrpSpPr/>
+        <p:nvPr/>
+      </p:nvGrpSpPr>
+      <p:grpSpPr>
+        <a:xfrm>
+          <a:off x="0" y="0"/>
+          <a:ext cx="0" cy="0"/>
+          <a:chOff x="0" y="0"/>
+          <a:chExt cx="0" cy="0"/>
+        </a:xfrm>
+      </p:grpSpPr>
+      <p:sp>
+        <p:nvSpPr>
+          <p:cNvPr id="2" name="标题 1">
+            <a:extLst>
+              <a:ext uri="{FF2B5EF4-FFF2-40B4-BE49-F238E27FC236}">
+                <a16:creationId xmlns:a16="http://schemas.microsoft.com/office/drawing/2014/main" id="{2C83C15F-9973-4482-960E-F611ACEAF505}"/>
+              </a:ext>
+            </a:extLst>
+          </p:cNvPr>
+          <p:cNvSpPr>
+            <a:spLocks noGrp="1"/>
+          </p:cNvSpPr>
+          <p:nvPr>
+            <p:ph type="title"/>
+          </p:nvPr>
+        </p:nvSpPr>
+        <p:spPr/>
+        <p:txBody>
+          <a:bodyPr/>
+          <a:lstStyle/>
+          <a:p>
+            <a:r>
+              <a:rPr lang="en-US" dirty="0"/>
+              <a:t>What to do during the break?</a:t>
+            </a:r>
+          </a:p>
+        </p:txBody>
+      </p:sp>
+      <p:sp>
+        <p:nvSpPr>
+          <p:cNvPr id="3" name="内容占位符 2">
+            <a:extLst>
+              <a:ext uri="{FF2B5EF4-FFF2-40B4-BE49-F238E27FC236}">
+                <a16:creationId xmlns:a16="http://schemas.microsoft.com/office/drawing/2014/main" id="{C3A434E5-1623-4C3C-A0D0-EE860173BB37}"/>
+              </a:ext>
+            </a:extLst>
+          </p:cNvPr>
+          <p:cNvSpPr>
+            <a:spLocks noGrp="1"/>
+          </p:cNvSpPr>
+          <p:nvPr>
+            <p:ph idx="1"/>
+          </p:nvPr>
+        </p:nvSpPr>
+        <p:spPr/>
+        <p:txBody>
+          <a:bodyPr>
+            <a:normAutofit/>
+          </a:bodyPr>
+          <a:lstStyle/>
+          <a:p>
+            <a:r>
+              <a:rPr lang="en-US" sz="3200" dirty="0"/>
+              <a:t>Get your group website better – more pages, functions, creative styles . . .</a:t>
+            </a:r>
+          </a:p>
+          <a:p>
+            <a:r>
+              <a:rPr lang="en-US" sz="3200" dirty="0"/>
+              <a:t>Practice JavaScript programming with </a:t>
+            </a:r>
+            <a:r>
+              <a:rPr lang="en-US" sz="3200" dirty="0" err="1"/>
+              <a:t>LeetCode</a:t>
+            </a:r>
+            <a:r>
+              <a:rPr lang="en-US" sz="3200" dirty="0"/>
+              <a:t>!</a:t>
+            </a:r>
+          </a:p>
+          <a:p>
+            <a:r>
+              <a:rPr lang="en-US" sz="3200" dirty="0"/>
+              <a:t>Enjoy learning React with tutorial.</a:t>
+            </a:r>
+          </a:p>
+          <a:p>
+            <a:endParaRPr lang="en-US" sz="3200" dirty="0"/>
+          </a:p>
+        </p:txBody>
+      </p:sp>
+    </p:spTree>
+    <p:extLst>
+      <p:ext uri="{BB962C8B-B14F-4D97-AF65-F5344CB8AC3E}">
+        <p14:creationId xmlns:p14="http://schemas.microsoft.com/office/powerpoint/2010/main" val="420577070"/>
+      </p:ext>
+    </p:extLst>
+  </p:cSld>
+  <p:clrMapOvr>
+    <a:masterClrMapping/>
+  </p:clrMapOvr>
+</p:sld>
+</file>
+
+<file path=ppt/slides/slide21.xml><?xml version="1.0" encoding="utf-8"?>
 <p:sld xmlns:a="http://schemas.openxmlformats.org/drawingml/2006/main" xmlns:r="http://schemas.openxmlformats.org/officeDocument/2006/relationships" xmlns:p="http://schemas.openxmlformats.org/presentationml/2006/main">
   <p:cSld>
     <p:spTree>
@@ -9338,7 +9580,7 @@
           <p:cNvPr id="2" name="标题 1">
             <a:extLst>
               <a:ext uri="{FF2B5EF4-FFF2-40B4-BE49-F238E27FC236}">
-                <a16:creationId xmlns:a16="http://schemas.microsoft.com/office/drawing/2014/main" id="{D02ADB3B-745C-4211-ACEE-305FB2F85FFC}"/>
+                <a16:creationId xmlns:a16="http://schemas.microsoft.com/office/drawing/2014/main" id="{5FFC74B1-589B-4107-95E4-FD92B22B7576}"/>
               </a:ext>
             </a:extLst>
           </p:cNvPr>
@@ -9356,7 +9598,7 @@
           <a:p>
             <a:r>
               <a:rPr lang="en-US" dirty="0"/>
-              <a:t>JavaScript – Get more practice</a:t>
+              <a:t>JavaScript Function</a:t>
             </a:r>
           </a:p>
         </p:txBody>
@@ -9366,7 +9608,7 @@
           <p:cNvPr id="3" name="内容占位符 2">
             <a:extLst>
               <a:ext uri="{FF2B5EF4-FFF2-40B4-BE49-F238E27FC236}">
-                <a16:creationId xmlns:a16="http://schemas.microsoft.com/office/drawing/2014/main" id="{B9C0F71C-37F0-402F-BBDD-6B3041E78946}"/>
+                <a16:creationId xmlns:a16="http://schemas.microsoft.com/office/drawing/2014/main" id="{98278165-E04C-4BC3-9452-2F237299B49A}"/>
               </a:ext>
             </a:extLst>
           </p:cNvPr>
@@ -9377,68 +9619,23 @@
             <p:ph idx="1"/>
           </p:nvPr>
         </p:nvSpPr>
-        <p:spPr>
-          <a:xfrm>
-            <a:off x="1103312" y="2052918"/>
-            <a:ext cx="10868667" cy="4195481"/>
-          </a:xfrm>
-        </p:spPr>
-        <p:txBody>
-          <a:bodyPr>
-            <a:normAutofit/>
-          </a:bodyPr>
-          <a:lstStyle/>
-          <a:p>
-            <a:r>
-              <a:rPr lang="en-US" sz="2800" dirty="0"/>
-              <a:t>Go to </a:t>
-            </a:r>
-            <a:r>
-              <a:rPr lang="en-US" sz="2800" dirty="0" err="1"/>
-              <a:t>leetcode</a:t>
-            </a:r>
-            <a:r>
-              <a:rPr lang="en-US" sz="2800" dirty="0"/>
-              <a:t>.</a:t>
-            </a:r>
-          </a:p>
-          <a:p>
-            <a:r>
-              <a:rPr lang="en-US" sz="2800" dirty="0">
-                <a:hlinkClick r:id="rId2"/>
-              </a:rPr>
-              <a:t>https://leetcode-cn.com/</a:t>
-            </a:r>
-            <a:endParaRPr lang="en-US" sz="2800" dirty="0"/>
-          </a:p>
-          <a:p>
-            <a:r>
-              <a:rPr lang="en-US" sz="2800" dirty="0"/>
-              <a:t>Choose language: JavaScript!</a:t>
-            </a:r>
-          </a:p>
-          <a:p>
-            <a:r>
-              <a:rPr lang="en-US" sz="2800" dirty="0"/>
-              <a:t>Example: </a:t>
-            </a:r>
-            <a:r>
-              <a:rPr lang="en-US" sz="2800" dirty="0">
-                <a:hlinkClick r:id="rId3"/>
-              </a:rPr>
-              <a:t>https://leetcode-cn.com/problems/two-sum/</a:t>
-            </a:r>
-            <a:endParaRPr lang="en-US" sz="2800" dirty="0"/>
-          </a:p>
-          <a:p>
-            <a:endParaRPr lang="en-US" sz="2800" dirty="0"/>
+        <p:spPr/>
+        <p:txBody>
+          <a:bodyPr/>
+          <a:lstStyle/>
+          <a:p>
+            <a:r>
+              <a:rPr lang="en-US" altLang="zh-CN" dirty="0"/>
+              <a:t>Exercise: How to exchange two variables with a function swap?</a:t>
+            </a:r>
+            <a:endParaRPr lang="en-US" dirty="0"/>
           </a:p>
         </p:txBody>
       </p:sp>
     </p:spTree>
     <p:extLst>
       <p:ext uri="{BB962C8B-B14F-4D97-AF65-F5344CB8AC3E}">
-        <p14:creationId xmlns:p14="http://schemas.microsoft.com/office/powerpoint/2010/main" val="3561875957"/>
+        <p14:creationId xmlns:p14="http://schemas.microsoft.com/office/powerpoint/2010/main" val="2987020180"/>
       </p:ext>
     </p:extLst>
   </p:cSld>
@@ -9470,7 +9667,7 @@
           <p:cNvPr id="2" name="标题 1">
             <a:extLst>
               <a:ext uri="{FF2B5EF4-FFF2-40B4-BE49-F238E27FC236}">
-                <a16:creationId xmlns:a16="http://schemas.microsoft.com/office/drawing/2014/main" id="{84EF81B2-0A71-427B-BF8F-03D7D6C7EE31}"/>
+                <a16:creationId xmlns:a16="http://schemas.microsoft.com/office/drawing/2014/main" id="{D02ADB3B-745C-4211-ACEE-305FB2F85FFC}"/>
               </a:ext>
             </a:extLst>
           </p:cNvPr>
@@ -9488,7 +9685,7 @@
           <a:p>
             <a:r>
               <a:rPr lang="en-US" dirty="0"/>
-              <a:t>JavaScript - DOM</a:t>
+              <a:t>JavaScript – Get more practice</a:t>
             </a:r>
           </a:p>
         </p:txBody>
@@ -9498,7 +9695,7 @@
           <p:cNvPr id="3" name="内容占位符 2">
             <a:extLst>
               <a:ext uri="{FF2B5EF4-FFF2-40B4-BE49-F238E27FC236}">
-                <a16:creationId xmlns:a16="http://schemas.microsoft.com/office/drawing/2014/main" id="{BBACB64B-E850-4091-BF63-7A2500A67C64}"/>
+                <a16:creationId xmlns:a16="http://schemas.microsoft.com/office/drawing/2014/main" id="{B9C0F71C-37F0-402F-BBDD-6B3041E78946}"/>
               </a:ext>
             </a:extLst>
           </p:cNvPr>
@@ -9512,160 +9709,65 @@
         <p:spPr>
           <a:xfrm>
             <a:off x="1103312" y="2052918"/>
-            <a:ext cx="9948211" cy="4195481"/>
+            <a:ext cx="10868667" cy="4195481"/>
           </a:xfrm>
         </p:spPr>
         <p:txBody>
           <a:bodyPr>
-            <a:normAutofit lnSpcReduction="10000"/>
+            <a:normAutofit/>
           </a:bodyPr>
           <a:lstStyle/>
           <a:p>
             <a:r>
               <a:rPr lang="en-US" sz="2800" dirty="0"/>
-              <a:t>DOM: </a:t>
-            </a:r>
-            <a:r>
-              <a:rPr lang="zh-CN" altLang="en-US" sz="2800" dirty="0"/>
-              <a:t>与 </a:t>
+              <a:t>Go to </a:t>
+            </a:r>
+            <a:r>
+              <a:rPr lang="en-US" sz="2800" dirty="0" err="1"/>
+              <a:t>leetcode</a:t>
             </a:r>
             <a:r>
               <a:rPr lang="en-US" sz="2800" dirty="0"/>
-              <a:t>HTML </a:t>
-            </a:r>
-            <a:r>
-              <a:rPr lang="en-US" altLang="zh-CN" sz="2800" dirty="0"/>
-              <a:t>&amp;</a:t>
-            </a:r>
-            <a:r>
-              <a:rPr lang="en-US" sz="2800" dirty="0"/>
-              <a:t> CSS</a:t>
-            </a:r>
-            <a:r>
-              <a:rPr lang="zh-CN" altLang="en-US" sz="2800" dirty="0"/>
-              <a:t>进行交互</a:t>
-            </a:r>
-            <a:r>
-              <a:rPr lang="en-US" sz="2800" dirty="0"/>
-              <a:t>!</a:t>
-            </a:r>
-          </a:p>
-          <a:p>
-            <a:endParaRPr lang="en-US" sz="2800" dirty="0"/>
-          </a:p>
-          <a:p>
-            <a:r>
-              <a:rPr lang="zh-CN" altLang="en-US" sz="2800" dirty="0"/>
-              <a:t>如何定位一个元素？</a:t>
-            </a:r>
-            <a:endParaRPr lang="en-US" altLang="zh-CN" sz="2800" dirty="0"/>
-          </a:p>
-          <a:p>
-            <a:r>
-              <a:rPr lang="en-US" altLang="zh-CN" sz="2800" dirty="0"/>
-              <a:t>1. </a:t>
-            </a:r>
-            <a:r>
-              <a:rPr lang="zh-CN" altLang="en-US" sz="2800" dirty="0"/>
-              <a:t>通过</a:t>
-            </a:r>
-            <a:r>
-              <a:rPr lang="en-US" altLang="zh-CN" sz="2800" dirty="0"/>
-              <a:t>id: </a:t>
-            </a:r>
-            <a:r>
-              <a:rPr lang="en-US" dirty="0" err="1"/>
-              <a:t>document.getElementById</a:t>
-            </a:r>
-            <a:r>
-              <a:rPr lang="en-US" dirty="0"/>
-              <a:t>(id)</a:t>
-            </a:r>
-            <a:endParaRPr lang="en-US" altLang="zh-CN" sz="2800" dirty="0"/>
-          </a:p>
-          <a:p>
-            <a:r>
-              <a:rPr lang="en-US" altLang="zh-CN" sz="2800" dirty="0"/>
-              <a:t>2. </a:t>
-            </a:r>
-            <a:r>
-              <a:rPr lang="zh-CN" altLang="en-US" sz="2800" dirty="0"/>
-              <a:t>通过</a:t>
-            </a:r>
-            <a:r>
-              <a:rPr lang="en-US" altLang="zh-CN" sz="2800" dirty="0"/>
-              <a:t>class: </a:t>
-            </a:r>
-            <a:r>
-              <a:rPr lang="en-US" dirty="0" err="1"/>
-              <a:t>document.getElementsByClassName</a:t>
-            </a:r>
-            <a:r>
-              <a:rPr lang="en-US" dirty="0"/>
-              <a:t>(</a:t>
-            </a:r>
-            <a:r>
-              <a:rPr lang="en-US" dirty="0" err="1"/>
-              <a:t>class_name</a:t>
-            </a:r>
-            <a:r>
-              <a:rPr lang="en-US" dirty="0"/>
-              <a:t>)</a:t>
-            </a:r>
-            <a:endParaRPr lang="en-US" altLang="zh-CN" sz="2800" dirty="0"/>
-          </a:p>
-          <a:p>
-            <a:r>
-              <a:rPr lang="en-US" sz="2800" dirty="0"/>
-              <a:t>3. </a:t>
-            </a:r>
-            <a:r>
-              <a:rPr lang="zh-CN" altLang="en-US" sz="2800" dirty="0"/>
-              <a:t>通过</a:t>
-            </a:r>
-            <a:r>
-              <a:rPr lang="en-US" altLang="zh-CN" sz="2800" dirty="0"/>
-              <a:t>tag name: </a:t>
-            </a:r>
-            <a:r>
-              <a:rPr lang="en-US" dirty="0" err="1"/>
-              <a:t>document.getElementsByTagName</a:t>
-            </a:r>
-            <a:r>
-              <a:rPr lang="en-US" dirty="0"/>
-              <a:t>(</a:t>
-            </a:r>
-            <a:r>
-              <a:rPr lang="en-US" dirty="0" err="1"/>
-              <a:t>tag_name</a:t>
-            </a:r>
-            <a:r>
-              <a:rPr lang="en-US" dirty="0"/>
-              <a:t>)</a:t>
-            </a:r>
-          </a:p>
-          <a:p>
-            <a:r>
-              <a:rPr lang="en-US" sz="2800" dirty="0"/>
-              <a:t>Reference: </a:t>
-            </a:r>
+              <a:t>.</a:t>
+            </a:r>
+          </a:p>
+          <a:p>
             <a:r>
               <a:rPr lang="en-US" sz="2800" dirty="0">
                 <a:hlinkClick r:id="rId2"/>
               </a:rPr>
-              <a:t>http://www.runoob.com/js/js-htmldom.html</a:t>
-            </a:r>
+              <a:t>https://leetcode-cn.com/</a:t>
+            </a:r>
+            <a:endParaRPr lang="en-US" sz="2800" dirty="0"/>
+          </a:p>
+          <a:p>
             <a:r>
               <a:rPr lang="en-US" sz="2800" dirty="0"/>
-              <a:t> </a:t>
-            </a:r>
+              <a:t>Choose language: JavaScript!</a:t>
+            </a:r>
+          </a:p>
+          <a:p>
+            <a:r>
+              <a:rPr lang="en-US" sz="2800" dirty="0"/>
+              <a:t>Example: </a:t>
+            </a:r>
+            <a:r>
+              <a:rPr lang="en-US" sz="2800" dirty="0">
+                <a:hlinkClick r:id="rId3"/>
+              </a:rPr>
+              <a:t>https://leetcode-cn.com/problems/two-sum/</a:t>
+            </a:r>
+            <a:endParaRPr lang="en-US" sz="2800" dirty="0"/>
+          </a:p>
+          <a:p>
+            <a:endParaRPr lang="en-US" sz="2800" dirty="0"/>
           </a:p>
         </p:txBody>
       </p:sp>
     </p:spTree>
     <p:extLst>
       <p:ext uri="{BB962C8B-B14F-4D97-AF65-F5344CB8AC3E}">
-        <p14:creationId xmlns:p14="http://schemas.microsoft.com/office/powerpoint/2010/main" val="3621304035"/>
+        <p14:creationId xmlns:p14="http://schemas.microsoft.com/office/powerpoint/2010/main" val="3561875957"/>
       </p:ext>
     </p:extLst>
   </p:cSld>

--- a/L4/L4.pptx
+++ b/L4/L4.pptx
@@ -9525,7 +9525,15 @@
           <a:p>
             <a:r>
               <a:rPr lang="en-US" dirty="0"/>
-              <a:t>   if (a==b) {return true}</a:t>
+              <a:t>   if </a:t>
+            </a:r>
+            <a:r>
+              <a:rPr lang="en-US"/>
+              <a:t>(a!=</a:t>
+            </a:r>
+            <a:r>
+              <a:rPr lang="en-US" dirty="0"/>
+              <a:t>b) {return true}</a:t>
             </a:r>
           </a:p>
           <a:p>
